--- a/Report/Poster.pptx
+++ b/Report/Poster.pptx
@@ -1678,7 +1678,13 @@
           <a:p>
             <a:r>
               <a:rPr lang="nl-NL" dirty="0"/>
-              <a:t>Het doel van dit project is om drones indoor te localiseren en aan te sturen. Er wordt gebruik gemaakt van UWB, Pozyx tags en anchors, Raspberry Pis en een MQTT server.</a:t>
+              <a:t>Het doel van dit project is om drones indoor te lokaliseren en aan te sturen.</a:t>
+            </a:r>
+          </a:p>
+          <a:p>
+            <a:r>
+              <a:rPr lang="nl-NL" dirty="0"/>
+              <a:t>Er wordt gebruik gemaakt van ultra-wideband (UWB), Pozyx tags en anchors, Raspberry Pis en een MQTT server.</a:t>
             </a:r>
             <a:endParaRPr lang="nl-NL" dirty="0">
               <a:solidFill>
@@ -1698,37 +1704,34 @@
             <p:ph type="body" sz="quarter" idx="16"/>
           </p:nvPr>
         </p:nvSpPr>
-        <p:spPr/>
+        <p:spPr>
+          <a:xfrm>
+            <a:off x="20793075" y="34509075"/>
+            <a:ext cx="8348925" cy="4190925"/>
+          </a:xfrm>
+        </p:spPr>
         <p:txBody>
           <a:bodyPr>
-            <a:normAutofit fontScale="85000" lnSpcReduction="20000"/>
+            <a:normAutofit fontScale="92500" lnSpcReduction="10000"/>
           </a:bodyPr>
           <a:lstStyle/>
           <a:p>
             <a:r>
               <a:rPr lang="nl-NL" b="1" dirty="0"/>
-              <a:t>Dit project werd uitgevoerd in het kader van het vakoverschrijdend projectvak in de computerwetenschappen of elektrotechniek</a:t>
-            </a:r>
-          </a:p>
-          <a:p>
-            <a:endParaRPr lang="nl-NL" b="1" dirty="0"/>
-          </a:p>
-          <a:p>
-            <a:r>
-              <a:rPr lang="nl-NL" b="1" dirty="0"/>
-              <a:t>Contact</a:t>
-            </a:r>
-          </a:p>
-          <a:p>
+              <a:t>Dit project werd uitgevoerd in het kader van het vakoverschrijdend projectvak in de computerwetenschappen</a:t>
+            </a:r>
+          </a:p>
+          <a:p>
+            <a:endParaRPr lang="nl-NL"/>
+          </a:p>
+          <a:p>
+            <a:r>
+              <a:rPr lang="nl-NL"/>
+              <a:t>github</a:t>
+            </a:r>
             <a:r>
               <a:rPr lang="nl-NL" dirty="0"/>
-              <a:t>&lt;voornaam&gt;.&lt;achternaam&gt;@ugent.be</a:t>
-            </a:r>
-          </a:p>
-          <a:p>
-            <a:r>
-              <a:rPr lang="nl-NL" dirty="0"/>
-              <a:t>www.ugent.be/&lt;...&gt;</a:t>
+              <a:t>.ugent.be/gartangh/VOP_Voorraadbeheer</a:t>
             </a:r>
           </a:p>
           <a:p>
@@ -1872,8 +1875,8 @@
         </p:nvSpPr>
         <p:spPr>
           <a:xfrm>
-            <a:off x="1502815" y="25191720"/>
-            <a:ext cx="8973010" cy="4413516"/>
+            <a:off x="1478287" y="25200000"/>
+            <a:ext cx="8973010" cy="4556568"/>
           </a:xfrm>
           <a:prstGeom prst="rect">
             <a:avLst/>
@@ -1900,7 +1903,7 @@
                 </a:solidFill>
                 <a:latin typeface="+mj-lt"/>
               </a:rPr>
-              <a:t>&lt; </a:t>
+              <a:t>Scan </a:t>
             </a:r>
             <a:r>
               <a:rPr lang="en-US" sz="3800" b="1" dirty="0" err="1">
@@ -1909,7 +1912,7 @@
                 </a:solidFill>
                 <a:latin typeface="+mj-lt"/>
               </a:rPr>
-              <a:t>titel</a:t>
+              <a:t>deze</a:t>
             </a:r>
             <a:r>
               <a:rPr lang="en-US" sz="3800" b="1" dirty="0">
@@ -1918,7 +1921,7 @@
                 </a:solidFill>
                 <a:latin typeface="+mj-lt"/>
               </a:rPr>
-              <a:t> (</a:t>
+              <a:t> </a:t>
             </a:r>
             <a:r>
               <a:rPr lang="en-US" sz="3800" b="1" dirty="0" err="1">
@@ -1927,7 +1930,7 @@
                 </a:solidFill>
                 <a:latin typeface="+mj-lt"/>
               </a:rPr>
-              <a:t>tekstniveau</a:t>
+              <a:t>QR</a:t>
             </a:r>
             <a:r>
               <a:rPr lang="en-US" sz="3800" b="1" dirty="0">
@@ -1936,7 +1939,115 @@
                 </a:solidFill>
                 <a:latin typeface="+mj-lt"/>
               </a:rPr>
-              <a:t> 1) &gt;</a:t>
+              <a:t>-code om </a:t>
+            </a:r>
+            <a:r>
+              <a:rPr lang="en-US" sz="3800" b="1" dirty="0" err="1">
+                <a:solidFill>
+                  <a:schemeClr val="bg1"/>
+                </a:solidFill>
+                <a:latin typeface="+mj-lt"/>
+              </a:rPr>
+              <a:t>meer</a:t>
+            </a:r>
+            <a:r>
+              <a:rPr lang="en-US" sz="3800" b="1" dirty="0">
+                <a:solidFill>
+                  <a:schemeClr val="bg1"/>
+                </a:solidFill>
+                <a:latin typeface="+mj-lt"/>
+              </a:rPr>
+              <a:t> </a:t>
+            </a:r>
+            <a:r>
+              <a:rPr lang="en-US" sz="3800" b="1" dirty="0" err="1">
+                <a:solidFill>
+                  <a:schemeClr val="bg1"/>
+                </a:solidFill>
+                <a:latin typeface="+mj-lt"/>
+              </a:rPr>
+              <a:t>te</a:t>
+            </a:r>
+            <a:r>
+              <a:rPr lang="en-US" sz="3800" b="1" dirty="0">
+                <a:solidFill>
+                  <a:schemeClr val="bg1"/>
+                </a:solidFill>
+                <a:latin typeface="+mj-lt"/>
+              </a:rPr>
+              <a:t> </a:t>
+            </a:r>
+            <a:r>
+              <a:rPr lang="en-US" sz="3800" b="1" dirty="0" err="1">
+                <a:solidFill>
+                  <a:schemeClr val="bg1"/>
+                </a:solidFill>
+                <a:latin typeface="+mj-lt"/>
+              </a:rPr>
+              <a:t>weten</a:t>
+            </a:r>
+            <a:r>
+              <a:rPr lang="en-US" sz="3800" b="1" dirty="0">
+                <a:solidFill>
+                  <a:schemeClr val="bg1"/>
+                </a:solidFill>
+                <a:latin typeface="+mj-lt"/>
+              </a:rPr>
+              <a:t> </a:t>
+            </a:r>
+            <a:r>
+              <a:rPr lang="en-US" sz="3800" b="1" dirty="0" err="1">
+                <a:solidFill>
+                  <a:schemeClr val="bg1"/>
+                </a:solidFill>
+                <a:latin typeface="+mj-lt"/>
+              </a:rPr>
+              <a:t>te</a:t>
+            </a:r>
+            <a:r>
+              <a:rPr lang="en-US" sz="3800" b="1" dirty="0">
+                <a:solidFill>
+                  <a:schemeClr val="bg1"/>
+                </a:solidFill>
+                <a:latin typeface="+mj-lt"/>
+              </a:rPr>
+              <a:t> </a:t>
+            </a:r>
+            <a:r>
+              <a:rPr lang="en-US" sz="3800" b="1" dirty="0" err="1">
+                <a:solidFill>
+                  <a:schemeClr val="bg1"/>
+                </a:solidFill>
+                <a:latin typeface="+mj-lt"/>
+              </a:rPr>
+              <a:t>komen</a:t>
+            </a:r>
+            <a:r>
+              <a:rPr lang="en-US" sz="3800" b="1" dirty="0">
+                <a:solidFill>
+                  <a:schemeClr val="bg1"/>
+                </a:solidFill>
+                <a:latin typeface="+mj-lt"/>
+              </a:rPr>
+              <a:t> over </a:t>
+            </a:r>
+            <a:r>
+              <a:rPr lang="en-US" sz="3800" b="1" dirty="0" err="1">
+                <a:solidFill>
+                  <a:schemeClr val="bg1"/>
+                </a:solidFill>
+                <a:latin typeface="+mj-lt"/>
+              </a:rPr>
+              <a:t>dit</a:t>
+            </a:r>
+            <a:r>
+              <a:rPr lang="en-US" sz="3800" b="1" dirty="0">
+                <a:solidFill>
+                  <a:schemeClr val="bg1"/>
+                </a:solidFill>
+                <a:latin typeface="+mj-lt"/>
+              </a:rPr>
+              <a:t> project!</a:t>
             </a:r>
             <a:endParaRPr lang="nl-NL" sz="3800" b="1" dirty="0">
               <a:solidFill>
@@ -1957,20 +2068,8 @@
                   <a:schemeClr val="bg1"/>
                 </a:solidFill>
               </a:rPr>
-              <a:t>&lt; standaard tekst &gt;</a:t>
-            </a:r>
-          </a:p>
-          <a:p>
-            <a:pPr marL="182563" defTabSz="3027487">
-              <a:lnSpc>
-                <a:spcPct val="120000"/>
-              </a:lnSpc>
-            </a:pPr>
-            <a:endParaRPr lang="nl-NL" sz="2800" dirty="0">
-              <a:solidFill>
-                <a:schemeClr val="bg1"/>
-              </a:solidFill>
-            </a:endParaRPr>
+              <a:t>Je vindt er meer informatie om zelf aan de slag te kunnen gaan.</a:t>
+            </a:r>
           </a:p>
           <a:p>
             <a:pPr marL="182563" defTabSz="3027487">
